--- a/4/s4_Advanced_visualisations.pptx
+++ b/4/s4_Advanced_visualisations.pptx
@@ -260,7 +260,7 @@
           <a:p>
             <a:fld id="{A9A5DA3C-BDF6-44EF-83ED-A29CA680A5AA}" type="datetimeFigureOut">
               <a:rPr lang="en-GB" smtClean="0"/>
-              <a:t>20/02/2024</a:t>
+              <a:t>12/03/2024</a:t>
             </a:fld>
             <a:endParaRPr lang="en-GB"/>
           </a:p>
@@ -3360,7 +3360,7 @@
           <a:p>
             <a:fld id="{1041D2DD-F029-4FB0-BB12-3B6037A6356B}" type="datetimeFigureOut">
               <a:rPr lang="en-GB" smtClean="0"/>
-              <a:t>20/02/2024</a:t>
+              <a:t>12/03/2024</a:t>
             </a:fld>
             <a:endParaRPr lang="en-GB"/>
           </a:p>
@@ -3560,7 +3560,7 @@
           <a:p>
             <a:fld id="{1041D2DD-F029-4FB0-BB12-3B6037A6356B}" type="datetimeFigureOut">
               <a:rPr lang="en-GB" smtClean="0"/>
-              <a:t>20/02/2024</a:t>
+              <a:t>12/03/2024</a:t>
             </a:fld>
             <a:endParaRPr lang="en-GB"/>
           </a:p>
@@ -3770,7 +3770,7 @@
           <a:p>
             <a:fld id="{1041D2DD-F029-4FB0-BB12-3B6037A6356B}" type="datetimeFigureOut">
               <a:rPr lang="en-GB" smtClean="0"/>
-              <a:t>20/02/2024</a:t>
+              <a:t>12/03/2024</a:t>
             </a:fld>
             <a:endParaRPr lang="en-GB"/>
           </a:p>
@@ -3992,7 +3992,7 @@
           <a:p>
             <a:fld id="{4772F0A1-C454-4BBE-AF11-D875966F51C1}" type="datetime1">
               <a:rPr lang="en-GB" smtClean="0"/>
-              <a:t>20/02/2024</a:t>
+              <a:t>12/03/2024</a:t>
             </a:fld>
             <a:endParaRPr lang="en-GB"/>
           </a:p>
@@ -4192,7 +4192,7 @@
           <a:p>
             <a:fld id="{D51BF68B-9203-4BCE-AA68-B9ADE650094E}" type="datetime1">
               <a:rPr lang="en-GB" smtClean="0"/>
-              <a:t>20/02/2024</a:t>
+              <a:t>12/03/2024</a:t>
             </a:fld>
             <a:endParaRPr lang="en-GB"/>
           </a:p>
@@ -4482,7 +4482,7 @@
           <a:p>
             <a:fld id="{4D547052-27D5-4EAF-A15B-98425D473279}" type="datetime1">
               <a:rPr lang="en-GB" smtClean="0"/>
-              <a:t>20/02/2024</a:t>
+              <a:t>12/03/2024</a:t>
             </a:fld>
             <a:endParaRPr lang="en-GB"/>
           </a:p>
@@ -4750,7 +4750,7 @@
           <a:p>
             <a:fld id="{1B8E6DAA-8F82-4847-A2E5-613990929D89}" type="datetime1">
               <a:rPr lang="en-GB" smtClean="0"/>
-              <a:t>20/02/2024</a:t>
+              <a:t>12/03/2024</a:t>
             </a:fld>
             <a:endParaRPr lang="en-GB"/>
           </a:p>
@@ -5165,7 +5165,7 @@
           <a:p>
             <a:fld id="{59446A4C-9FC8-476F-B819-BE2A2E43E1B8}" type="datetime1">
               <a:rPr lang="en-GB" smtClean="0"/>
-              <a:t>20/02/2024</a:t>
+              <a:t>12/03/2024</a:t>
             </a:fld>
             <a:endParaRPr lang="en-GB"/>
           </a:p>
@@ -5307,7 +5307,7 @@
           <a:p>
             <a:fld id="{0B7826F9-1273-4E44-A954-954B56D9E341}" type="datetime1">
               <a:rPr lang="en-GB" smtClean="0"/>
-              <a:t>20/02/2024</a:t>
+              <a:t>12/03/2024</a:t>
             </a:fld>
             <a:endParaRPr lang="en-GB"/>
           </a:p>
@@ -5420,7 +5420,7 @@
           <a:p>
             <a:fld id="{828916FF-9AD7-48A3-A5B2-E12A3B33DFE4}" type="datetime1">
               <a:rPr lang="en-GB" smtClean="0"/>
-              <a:t>20/02/2024</a:t>
+              <a:t>12/03/2024</a:t>
             </a:fld>
             <a:endParaRPr lang="en-GB"/>
           </a:p>
@@ -5733,7 +5733,7 @@
           <a:p>
             <a:fld id="{C7864678-6319-46B6-BA0B-E7A77DF683BE}" type="datetime1">
               <a:rPr lang="en-GB" smtClean="0"/>
-              <a:t>20/02/2024</a:t>
+              <a:t>12/03/2024</a:t>
             </a:fld>
             <a:endParaRPr lang="en-GB"/>
           </a:p>
@@ -5933,7 +5933,7 @@
           <a:p>
             <a:fld id="{1041D2DD-F029-4FB0-BB12-3B6037A6356B}" type="datetimeFigureOut">
               <a:rPr lang="en-GB" smtClean="0"/>
-              <a:t>20/02/2024</a:t>
+              <a:t>12/03/2024</a:t>
             </a:fld>
             <a:endParaRPr lang="en-GB"/>
           </a:p>
@@ -6222,7 +6222,7 @@
           <a:p>
             <a:fld id="{DF3E61F7-6515-49E4-9C14-A057DD44F2C2}" type="datetime1">
               <a:rPr lang="en-GB" smtClean="0"/>
-              <a:t>20/02/2024</a:t>
+              <a:t>12/03/2024</a:t>
             </a:fld>
             <a:endParaRPr lang="en-GB"/>
           </a:p>
@@ -6422,7 +6422,7 @@
           <a:p>
             <a:fld id="{73E232FE-5193-4A73-8514-118C93B6F513}" type="datetime1">
               <a:rPr lang="en-GB" smtClean="0"/>
-              <a:t>20/02/2024</a:t>
+              <a:t>12/03/2024</a:t>
             </a:fld>
             <a:endParaRPr lang="en-GB"/>
           </a:p>
@@ -6632,7 +6632,7 @@
           <a:p>
             <a:fld id="{C714CE03-EC60-4C56-975F-6624B369FA3B}" type="datetime1">
               <a:rPr lang="en-GB" smtClean="0"/>
-              <a:t>20/02/2024</a:t>
+              <a:t>12/03/2024</a:t>
             </a:fld>
             <a:endParaRPr lang="en-GB"/>
           </a:p>
@@ -6836,7 +6836,7 @@
           <a:p>
             <a:fld id="{2E2C077B-C732-49E5-B20E-05DE29246531}" type="datetimeFigureOut">
               <a:rPr lang="en-GB" smtClean="0"/>
-              <a:t>20/02/2024</a:t>
+              <a:t>12/03/2024</a:t>
             </a:fld>
             <a:endParaRPr lang="en-GB"/>
           </a:p>
@@ -7006,7 +7006,7 @@
           <a:p>
             <a:fld id="{2E2C077B-C732-49E5-B20E-05DE29246531}" type="datetimeFigureOut">
               <a:rPr lang="en-GB" smtClean="0"/>
-              <a:t>20/02/2024</a:t>
+              <a:t>12/03/2024</a:t>
             </a:fld>
             <a:endParaRPr lang="en-GB"/>
           </a:p>
@@ -7252,7 +7252,7 @@
           <a:p>
             <a:fld id="{2E2C077B-C732-49E5-B20E-05DE29246531}" type="datetimeFigureOut">
               <a:rPr lang="en-GB" smtClean="0"/>
-              <a:t>20/02/2024</a:t>
+              <a:t>12/03/2024</a:t>
             </a:fld>
             <a:endParaRPr lang="en-GB"/>
           </a:p>
@@ -7484,7 +7484,7 @@
           <a:p>
             <a:fld id="{2E2C077B-C732-49E5-B20E-05DE29246531}" type="datetimeFigureOut">
               <a:rPr lang="en-GB" smtClean="0"/>
-              <a:t>20/02/2024</a:t>
+              <a:t>12/03/2024</a:t>
             </a:fld>
             <a:endParaRPr lang="en-GB"/>
           </a:p>
@@ -7851,7 +7851,7 @@
           <a:p>
             <a:fld id="{2E2C077B-C732-49E5-B20E-05DE29246531}" type="datetimeFigureOut">
               <a:rPr lang="en-GB" smtClean="0"/>
-              <a:t>20/02/2024</a:t>
+              <a:t>12/03/2024</a:t>
             </a:fld>
             <a:endParaRPr lang="en-GB"/>
           </a:p>
@@ -7969,7 +7969,7 @@
           <a:p>
             <a:fld id="{2E2C077B-C732-49E5-B20E-05DE29246531}" type="datetimeFigureOut">
               <a:rPr lang="en-GB" smtClean="0"/>
-              <a:t>20/02/2024</a:t>
+              <a:t>12/03/2024</a:t>
             </a:fld>
             <a:endParaRPr lang="en-GB"/>
           </a:p>
@@ -8064,7 +8064,7 @@
           <a:p>
             <a:fld id="{2E2C077B-C732-49E5-B20E-05DE29246531}" type="datetimeFigureOut">
               <a:rPr lang="en-GB" smtClean="0"/>
-              <a:t>20/02/2024</a:t>
+              <a:t>12/03/2024</a:t>
             </a:fld>
             <a:endParaRPr lang="en-GB"/>
           </a:p>
@@ -8328,7 +8328,7 @@
           <a:p>
             <a:fld id="{1041D2DD-F029-4FB0-BB12-3B6037A6356B}" type="datetimeFigureOut">
               <a:rPr lang="en-GB" smtClean="0"/>
-              <a:t>20/02/2024</a:t>
+              <a:t>12/03/2024</a:t>
             </a:fld>
             <a:endParaRPr lang="en-GB"/>
           </a:p>
@@ -8617,7 +8617,7 @@
           <a:p>
             <a:fld id="{2E2C077B-C732-49E5-B20E-05DE29246531}" type="datetimeFigureOut">
               <a:rPr lang="en-GB" smtClean="0"/>
-              <a:t>20/02/2024</a:t>
+              <a:t>12/03/2024</a:t>
             </a:fld>
             <a:endParaRPr lang="en-GB"/>
           </a:p>
@@ -8870,7 +8870,7 @@
           <a:p>
             <a:fld id="{2E2C077B-C732-49E5-B20E-05DE29246531}" type="datetimeFigureOut">
               <a:rPr lang="en-GB" smtClean="0"/>
-              <a:t>20/02/2024</a:t>
+              <a:t>12/03/2024</a:t>
             </a:fld>
             <a:endParaRPr lang="en-GB"/>
           </a:p>
@@ -9040,7 +9040,7 @@
           <a:p>
             <a:fld id="{2E2C077B-C732-49E5-B20E-05DE29246531}" type="datetimeFigureOut">
               <a:rPr lang="en-GB" smtClean="0"/>
-              <a:t>20/02/2024</a:t>
+              <a:t>12/03/2024</a:t>
             </a:fld>
             <a:endParaRPr lang="en-GB"/>
           </a:p>
@@ -9220,7 +9220,7 @@
           <a:p>
             <a:fld id="{2E2C077B-C732-49E5-B20E-05DE29246531}" type="datetimeFigureOut">
               <a:rPr lang="en-GB" smtClean="0"/>
-              <a:t>20/02/2024</a:t>
+              <a:t>12/03/2024</a:t>
             </a:fld>
             <a:endParaRPr lang="en-GB"/>
           </a:p>
@@ -9476,7 +9476,7 @@
           <a:p>
             <a:fld id="{1041D2DD-F029-4FB0-BB12-3B6037A6356B}" type="datetimeFigureOut">
               <a:rPr lang="en-GB" smtClean="0"/>
-              <a:t>20/02/2024</a:t>
+              <a:t>12/03/2024</a:t>
             </a:fld>
             <a:endParaRPr lang="en-GB"/>
           </a:p>
@@ -9891,7 +9891,7 @@
           <a:p>
             <a:fld id="{1041D2DD-F029-4FB0-BB12-3B6037A6356B}" type="datetimeFigureOut">
               <a:rPr lang="en-GB" smtClean="0"/>
-              <a:t>20/02/2024</a:t>
+              <a:t>12/03/2024</a:t>
             </a:fld>
             <a:endParaRPr lang="en-GB"/>
           </a:p>
@@ -10033,7 +10033,7 @@
           <a:p>
             <a:fld id="{1041D2DD-F029-4FB0-BB12-3B6037A6356B}" type="datetimeFigureOut">
               <a:rPr lang="en-GB" smtClean="0"/>
-              <a:t>20/02/2024</a:t>
+              <a:t>12/03/2024</a:t>
             </a:fld>
             <a:endParaRPr lang="en-GB"/>
           </a:p>
@@ -10146,7 +10146,7 @@
           <a:p>
             <a:fld id="{1041D2DD-F029-4FB0-BB12-3B6037A6356B}" type="datetimeFigureOut">
               <a:rPr lang="en-GB" smtClean="0"/>
-              <a:t>20/02/2024</a:t>
+              <a:t>12/03/2024</a:t>
             </a:fld>
             <a:endParaRPr lang="en-GB"/>
           </a:p>
@@ -10459,7 +10459,7 @@
           <a:p>
             <a:fld id="{1041D2DD-F029-4FB0-BB12-3B6037A6356B}" type="datetimeFigureOut">
               <a:rPr lang="en-GB" smtClean="0"/>
-              <a:t>20/02/2024</a:t>
+              <a:t>12/03/2024</a:t>
             </a:fld>
             <a:endParaRPr lang="en-GB"/>
           </a:p>
@@ -10748,7 +10748,7 @@
           <a:p>
             <a:fld id="{1041D2DD-F029-4FB0-BB12-3B6037A6356B}" type="datetimeFigureOut">
               <a:rPr lang="en-GB" smtClean="0"/>
-              <a:t>20/02/2024</a:t>
+              <a:t>12/03/2024</a:t>
             </a:fld>
             <a:endParaRPr lang="en-GB"/>
           </a:p>
@@ -10991,7 +10991,7 @@
           <a:p>
             <a:fld id="{1041D2DD-F029-4FB0-BB12-3B6037A6356B}" type="datetimeFigureOut">
               <a:rPr lang="en-GB" smtClean="0"/>
-              <a:t>20/02/2024</a:t>
+              <a:t>12/03/2024</a:t>
             </a:fld>
             <a:endParaRPr lang="en-GB"/>
           </a:p>
@@ -11561,7 +11561,7 @@
           <a:p>
             <a:fld id="{5A08F1B5-2631-4A09-8C72-7C1C818787CE}" type="datetime1">
               <a:rPr lang="en-GB" smtClean="0"/>
-              <a:t>20/02/2024</a:t>
+              <a:t>12/03/2024</a:t>
             </a:fld>
             <a:endParaRPr lang="en-GB"/>
           </a:p>
@@ -12117,7 +12117,7 @@
           <a:p>
             <a:fld id="{2E2C077B-C732-49E5-B20E-05DE29246531}" type="datetimeFigureOut">
               <a:rPr lang="en-GB" smtClean="0"/>
-              <a:t>20/02/2024</a:t>
+              <a:t>12/03/2024</a:t>
             </a:fld>
             <a:endParaRPr lang="en-GB"/>
           </a:p>
@@ -20059,7 +20059,7 @@
                 <a:latin typeface="Times New Roman" panose="02020603050405020304" pitchFamily="18" charset="0"/>
                 <a:cs typeface="Times New Roman" panose="02020603050405020304" pitchFamily="18" charset="0"/>
               </a:rPr>
-              <a:t>github.com</a:t>
+              <a:t>economicsobservatory.com</a:t>
             </a:r>
             <a:r>
               <a:rPr lang="en-GB" sz="3600" i="1" dirty="0">
@@ -20069,52 +20069,8 @@
                 <a:latin typeface="Times New Roman" panose="02020603050405020304" pitchFamily="18" charset="0"/>
                 <a:cs typeface="Times New Roman" panose="02020603050405020304" pitchFamily="18" charset="0"/>
               </a:rPr>
-              <a:t>/</a:t>
-            </a:r>
-            <a:r>
-              <a:rPr lang="en-GB" sz="3600" i="1" dirty="0" err="1">
-                <a:solidFill>
-                  <a:srgbClr val="F4C245"/>
-                </a:solidFill>
-                <a:latin typeface="Times New Roman" panose="02020603050405020304" pitchFamily="18" charset="0"/>
-                <a:cs typeface="Times New Roman" panose="02020603050405020304" pitchFamily="18" charset="0"/>
-              </a:rPr>
-              <a:t>EconomicsObservatory</a:t>
-            </a:r>
-            <a:r>
-              <a:rPr lang="en-GB" sz="3600" i="1" dirty="0">
-                <a:solidFill>
-                  <a:srgbClr val="F4C245"/>
-                </a:solidFill>
-                <a:latin typeface="Times New Roman" panose="02020603050405020304" pitchFamily="18" charset="0"/>
-                <a:cs typeface="Times New Roman" panose="02020603050405020304" pitchFamily="18" charset="0"/>
-              </a:rPr>
-              <a:t>/courses/blob/main/</a:t>
-            </a:r>
-            <a:r>
-              <a:rPr lang="en-GB" sz="3600" i="1" dirty="0" err="1">
-                <a:solidFill>
-                  <a:srgbClr val="F4C245"/>
-                </a:solidFill>
-                <a:latin typeface="Times New Roman" panose="02020603050405020304" pitchFamily="18" charset="0"/>
-                <a:cs typeface="Times New Roman" panose="02020603050405020304" pitchFamily="18" charset="0"/>
-              </a:rPr>
-              <a:t>README.md</a:t>
-            </a:r>
-            <a:endParaRPr kumimoji="0" lang="en-GB" sz="6000" b="0" i="1" u="none" strike="noStrike" kern="1200" cap="none" spc="0" normalizeH="0" baseline="0" noProof="0" dirty="0">
-              <a:ln>
-                <a:noFill/>
-              </a:ln>
-              <a:solidFill>
-                <a:srgbClr val="F4C245"/>
-              </a:solidFill>
-              <a:effectLst/>
-              <a:uLnTx/>
-              <a:uFillTx/>
-              <a:latin typeface="Times New Roman" panose="02020603050405020304" pitchFamily="18" charset="0"/>
-              <a:ea typeface="+mj-ea"/>
-              <a:cs typeface="Times New Roman" panose="02020603050405020304" pitchFamily="18" charset="0"/>
-            </a:endParaRPr>
+              <a:t>/modern-data-visualisation</a:t>
+            </a:r>
           </a:p>
         </p:txBody>
       </p:sp>
